--- a/장태연_SQL/제목을-입력해주세요_.pptx
+++ b/장태연_SQL/제목을-입력해주세요_.pptx
@@ -3050,30 +3050,6 @@
           <a:chExt cx="0" cy="0"/>
         </a:xfrm>
       </p:grpSpPr>
-      <p:pic>
-        <p:nvPicPr>
-          <p:cNvPr id="2" name="Object 1"/>
-          <p:cNvPicPr>
-            <a:picLocks noChangeAspect="1"/>
-          </p:cNvPicPr>
-          <p:nvPr/>
-        </p:nvPicPr>
-        <p:blipFill>
-          <a:blip r:embed="rId2" cstate="print"/>
-          <a:stretch>
-            <a:fillRect/>
-          </a:stretch>
-        </p:blipFill>
-        <p:spPr>
-          <a:xfrm>
-            <a:off x="3637222" y="2889785"/>
-            <a:ext cx="2448910" cy="516749"/>
-          </a:xfrm>
-          <a:prstGeom prst="rect">
-            <a:avLst/>
-          </a:prstGeom>
-        </p:spPr>
-      </p:pic>
       <p:grpSp>
         <p:nvGrpSpPr>
           <p:cNvPr id="1001" name="그룹 1001"/>
@@ -3082,10 +3058,10 @@
         </p:nvGrpSpPr>
         <p:grpSpPr>
           <a:xfrm>
-            <a:off x="1135714" y="3731715"/>
-            <a:ext cx="3934375" cy="1623214"/>
-            <a:chOff x="1135714" y="3731715"/>
-            <a:chExt cx="3934375" cy="1623214"/>
+            <a:off x="131185" y="1671777"/>
+            <a:ext cx="10115763" cy="4136340"/>
+            <a:chOff x="131185" y="1671777"/>
+            <a:chExt cx="10115763" cy="4136340"/>
           </a:xfrm>
         </p:grpSpPr>
         <p:grpSp>
@@ -3096,15 +3072,54 @@
           </p:nvGrpSpPr>
           <p:grpSpPr>
             <a:xfrm>
-              <a:off x="3385714" y="3731715"/>
-              <a:ext cx="1623214" cy="1623214"/>
-              <a:chOff x="3385714" y="3731715"/>
-              <a:chExt cx="1623214" cy="1623214"/>
+              <a:off x="3478177" y="1671777"/>
+              <a:ext cx="3424599" cy="1198699"/>
+              <a:chOff x="3478177" y="1671777"/>
+              <a:chExt cx="3424599" cy="1198699"/>
             </a:xfrm>
           </p:grpSpPr>
+          <p:grpSp>
+            <p:nvGrpSpPr>
+              <p:cNvPr id="1003" name="그룹 1003"/>
+              <p:cNvGrpSpPr/>
+              <p:nvPr/>
+            </p:nvGrpSpPr>
+            <p:grpSpPr>
+              <a:xfrm>
+                <a:off x="3478177" y="1671777"/>
+                <a:ext cx="3424599" cy="1198699"/>
+                <a:chOff x="3478177" y="1671777"/>
+                <a:chExt cx="3424599" cy="1198699"/>
+              </a:xfrm>
+            </p:grpSpPr>
+            <p:pic>
+              <p:nvPicPr>
+                <p:cNvPr id="5" name="Object 4"/>
+                <p:cNvPicPr>
+                  <a:picLocks noChangeAspect="1"/>
+                </p:cNvPicPr>
+                <p:nvPr/>
+              </p:nvPicPr>
+              <p:blipFill>
+                <a:blip r:embed="rId2" cstate="print"/>
+                <a:stretch>
+                  <a:fillRect/>
+                </a:stretch>
+              </p:blipFill>
+              <p:spPr>
+                <a:xfrm>
+                  <a:off x="3478177" y="1671777"/>
+                  <a:ext cx="3424599" cy="1198699"/>
+                </a:xfrm>
+                <a:prstGeom prst="rect">
+                  <a:avLst/>
+                </a:prstGeom>
+              </p:spPr>
+            </p:pic>
+          </p:grpSp>
           <p:pic>
             <p:nvPicPr>
-              <p:cNvPr id="5" name="Object 4"/>
+              <p:cNvPr id="7" name="Object 6"/>
               <p:cNvPicPr>
                 <a:picLocks noChangeAspect="1"/>
               </p:cNvPicPr>
@@ -3118,47 +3133,8 @@
             </p:blipFill>
             <p:spPr>
               <a:xfrm>
-                <a:off x="3385714" y="3731715"/>
-                <a:ext cx="1623214" cy="1623214"/>
-              </a:xfrm>
-              <a:prstGeom prst="rect">
-                <a:avLst/>
-              </a:prstGeom>
-            </p:spPr>
-          </p:pic>
-        </p:grpSp>
-        <p:grpSp>
-          <p:nvGrpSpPr>
-            <p:cNvPr id="1003" name="그룹 1003"/>
-            <p:cNvGrpSpPr/>
-            <p:nvPr/>
-          </p:nvGrpSpPr>
-          <p:grpSpPr>
-            <a:xfrm>
-              <a:off x="3524104" y="3866202"/>
-              <a:ext cx="1346435" cy="1346435"/>
-              <a:chOff x="3524104" y="3866202"/>
-              <a:chExt cx="1346435" cy="1346435"/>
-            </a:xfrm>
-          </p:grpSpPr>
-          <p:pic>
-            <p:nvPicPr>
-              <p:cNvPr id="8" name="Object 7"/>
-              <p:cNvPicPr>
-                <a:picLocks noChangeAspect="1"/>
-              </p:cNvPicPr>
-              <p:nvPr/>
-            </p:nvPicPr>
-            <p:blipFill>
-              <a:blip r:embed="rId4" cstate="print"/>
-              <a:stretch>
-                <a:fillRect/>
-              </a:stretch>
-            </p:blipFill>
-            <p:spPr>
-              <a:xfrm>
-                <a:off x="3524104" y="3866202"/>
-                <a:ext cx="1346435" cy="1346435"/>
+                <a:off x="3680469" y="1824154"/>
+                <a:ext cx="641301" cy="267120"/>
               </a:xfrm>
               <a:prstGeom prst="rect">
                 <a:avLst/>
@@ -3174,30 +3150,30 @@
           </p:nvGrpSpPr>
           <p:grpSpPr>
             <a:xfrm>
-              <a:off x="1135714" y="4057622"/>
-              <a:ext cx="2057143" cy="1007359"/>
-              <a:chOff x="1135714" y="4057622"/>
-              <a:chExt cx="2057143" cy="1007359"/>
+              <a:off x="5135565" y="3043578"/>
+              <a:ext cx="216964" cy="107143"/>
+              <a:chOff x="5135565" y="3043578"/>
+              <a:chExt cx="216964" cy="107143"/>
             </a:xfrm>
           </p:grpSpPr>
           <p:pic>
             <p:nvPicPr>
-              <p:cNvPr id="11" name="Object 10"/>
+              <p:cNvPr id="10" name="Object 9"/>
               <p:cNvPicPr>
                 <a:picLocks noChangeAspect="1"/>
               </p:cNvPicPr>
               <p:nvPr/>
             </p:nvPicPr>
             <p:blipFill>
-              <a:blip r:embed="rId5" cstate="print"/>
+              <a:blip r:embed="rId4" cstate="print"/>
               <a:stretch>
                 <a:fillRect/>
               </a:stretch>
             </p:blipFill>
             <p:spPr>
-              <a:xfrm>
-                <a:off x="1135714" y="4057622"/>
-                <a:ext cx="2057143" cy="1007359"/>
+              <a:xfrm rot="5400000">
+                <a:off x="5135565" y="3043578"/>
+                <a:ext cx="216964" cy="107143"/>
               </a:xfrm>
               <a:prstGeom prst="rect">
                 <a:avLst/>
@@ -3213,30 +3189,30 @@
           </p:nvGrpSpPr>
           <p:grpSpPr>
             <a:xfrm>
-              <a:off x="3182143" y="4511179"/>
-              <a:ext cx="216964" cy="107143"/>
-              <a:chOff x="3182143" y="4511179"/>
-              <a:chExt cx="216964" cy="107143"/>
+              <a:off x="5190476" y="2870476"/>
+              <a:ext cx="118192" cy="118192"/>
+              <a:chOff x="5190476" y="2870476"/>
+              <a:chExt cx="118192" cy="118192"/>
             </a:xfrm>
           </p:grpSpPr>
           <p:pic>
             <p:nvPicPr>
-              <p:cNvPr id="14" name="Object 13"/>
+              <p:cNvPr id="13" name="Object 12"/>
               <p:cNvPicPr>
                 <a:picLocks noChangeAspect="1"/>
               </p:cNvPicPr>
               <p:nvPr/>
             </p:nvPicPr>
             <p:blipFill>
-              <a:blip r:embed="rId6" cstate="print"/>
+              <a:blip r:embed="rId5" cstate="print"/>
               <a:stretch>
                 <a:fillRect/>
               </a:stretch>
             </p:blipFill>
             <p:spPr>
               <a:xfrm>
-                <a:off x="3182143" y="4511179"/>
-                <a:ext cx="216964" cy="107143"/>
+                <a:off x="5190476" y="2870476"/>
+                <a:ext cx="118192" cy="118192"/>
               </a:xfrm>
               <a:prstGeom prst="rect">
                 <a:avLst/>
@@ -3252,30 +3228,147 @@
           </p:nvGrpSpPr>
           <p:grpSpPr>
             <a:xfrm>
-              <a:off x="3124386" y="4508500"/>
-              <a:ext cx="118192" cy="118192"/>
-              <a:chOff x="3124386" y="4508500"/>
-              <a:chExt cx="118192" cy="118192"/>
+              <a:off x="4624245" y="3177061"/>
+              <a:ext cx="1270558" cy="1270558"/>
+              <a:chOff x="4624245" y="3177061"/>
+              <a:chExt cx="1270558" cy="1270558"/>
             </a:xfrm>
           </p:grpSpPr>
+          <p:grpSp>
+            <p:nvGrpSpPr>
+              <p:cNvPr id="1007" name="그룹 1007"/>
+              <p:cNvGrpSpPr/>
+              <p:nvPr/>
+            </p:nvGrpSpPr>
+            <p:grpSpPr>
+              <a:xfrm>
+                <a:off x="4624245" y="3177061"/>
+                <a:ext cx="1270558" cy="1270558"/>
+                <a:chOff x="4624245" y="3177061"/>
+                <a:chExt cx="1270558" cy="1270558"/>
+              </a:xfrm>
+            </p:grpSpPr>
+            <p:pic>
+              <p:nvPicPr>
+                <p:cNvPr id="17" name="Object 16"/>
+                <p:cNvPicPr>
+                  <a:picLocks noChangeAspect="1"/>
+                </p:cNvPicPr>
+                <p:nvPr/>
+              </p:nvPicPr>
+              <p:blipFill>
+                <a:blip r:embed="rId6" cstate="print"/>
+                <a:stretch>
+                  <a:fillRect/>
+                </a:stretch>
+              </p:blipFill>
+              <p:spPr>
+                <a:xfrm>
+                  <a:off x="4624245" y="3177061"/>
+                  <a:ext cx="1270558" cy="1270558"/>
+                </a:xfrm>
+                <a:prstGeom prst="rect">
+                  <a:avLst/>
+                </a:prstGeom>
+              </p:spPr>
+            </p:pic>
+          </p:grpSp>
+          <p:grpSp>
+            <p:nvGrpSpPr>
+              <p:cNvPr id="1008" name="그룹 1008"/>
+              <p:cNvGrpSpPr/>
+              <p:nvPr/>
+            </p:nvGrpSpPr>
+            <p:grpSpPr>
+              <a:xfrm>
+                <a:off x="4732568" y="3282330"/>
+                <a:ext cx="1053912" cy="1053912"/>
+                <a:chOff x="4732568" y="3282330"/>
+                <a:chExt cx="1053912" cy="1053912"/>
+              </a:xfrm>
+            </p:grpSpPr>
+            <p:pic>
+              <p:nvPicPr>
+                <p:cNvPr id="20" name="Object 19"/>
+                <p:cNvPicPr>
+                  <a:picLocks noChangeAspect="1"/>
+                </p:cNvPicPr>
+                <p:nvPr/>
+              </p:nvPicPr>
+              <p:blipFill>
+                <a:blip r:embed="rId7" cstate="print"/>
+                <a:stretch>
+                  <a:fillRect/>
+                </a:stretch>
+              </p:blipFill>
+              <p:spPr>
+                <a:xfrm>
+                  <a:off x="4732568" y="3282330"/>
+                  <a:ext cx="1053912" cy="1053912"/>
+                </a:xfrm>
+                <a:prstGeom prst="rect">
+                  <a:avLst/>
+                </a:prstGeom>
+              </p:spPr>
+            </p:pic>
+          </p:grpSp>
           <p:pic>
             <p:nvPicPr>
-              <p:cNvPr id="17" name="Object 16"/>
+              <p:cNvPr id="22" name="Object 21"/>
               <p:cNvPicPr>
                 <a:picLocks noChangeAspect="1"/>
               </p:cNvPicPr>
               <p:nvPr/>
             </p:nvPicPr>
             <p:blipFill>
-              <a:blip r:embed="rId7" cstate="print"/>
+              <a:blip r:embed="rId8" cstate="print"/>
               <a:stretch>
                 <a:fillRect/>
               </a:stretch>
             </p:blipFill>
             <p:spPr>
               <a:xfrm>
-                <a:off x="3124386" y="4508500"/>
-                <a:ext cx="118192" cy="118192"/>
+                <a:off x="4908863" y="3634743"/>
+                <a:ext cx="694510" cy="423139"/>
+              </a:xfrm>
+              <a:prstGeom prst="rect">
+                <a:avLst/>
+              </a:prstGeom>
+            </p:spPr>
+          </p:pic>
+        </p:grpSp>
+        <p:grpSp>
+          <p:nvGrpSpPr>
+            <p:cNvPr id="1009" name="그룹 1009"/>
+            <p:cNvGrpSpPr/>
+            <p:nvPr/>
+          </p:nvGrpSpPr>
+          <p:grpSpPr>
+            <a:xfrm>
+              <a:off x="6822349" y="4540814"/>
+              <a:ext cx="3424599" cy="1161819"/>
+              <a:chOff x="6822349" y="4540814"/>
+              <a:chExt cx="3424599" cy="1161819"/>
+            </a:xfrm>
+          </p:grpSpPr>
+          <p:pic>
+            <p:nvPicPr>
+              <p:cNvPr id="25" name="Object 24"/>
+              <p:cNvPicPr>
+                <a:picLocks noChangeAspect="1"/>
+              </p:cNvPicPr>
+              <p:nvPr/>
+            </p:nvPicPr>
+            <p:blipFill>
+              <a:blip r:embed="rId9" cstate="print"/>
+              <a:stretch>
+                <a:fillRect/>
+              </a:stretch>
+            </p:blipFill>
+            <p:spPr>
+              <a:xfrm>
+                <a:off x="6822349" y="4540814"/>
+                <a:ext cx="3424599" cy="1161819"/>
               </a:xfrm>
               <a:prstGeom prst="rect">
                 <a:avLst/>
@@ -3285,55 +3378,7 @@
         </p:grpSp>
         <p:pic>
           <p:nvPicPr>
-            <p:cNvPr id="19" name="Object 18"/>
-            <p:cNvPicPr>
-              <a:picLocks noChangeAspect="1"/>
-            </p:cNvPicPr>
-            <p:nvPr/>
-          </p:nvPicPr>
-          <p:blipFill>
-            <a:blip r:embed="rId8" cstate="print"/>
-            <a:stretch>
-              <a:fillRect/>
-            </a:stretch>
-          </p:blipFill>
-          <p:spPr>
-            <a:xfrm>
-              <a:off x="1370458" y="4227253"/>
-              <a:ext cx="362293" cy="248388"/>
-            </a:xfrm>
-            <a:prstGeom prst="rect">
-              <a:avLst/>
-            </a:prstGeom>
-          </p:spPr>
-        </p:pic>
-        <p:pic>
-          <p:nvPicPr>
-            <p:cNvPr id="20" name="Object 19"/>
-            <p:cNvPicPr>
-              <a:picLocks noChangeAspect="1"/>
-            </p:cNvPicPr>
-            <p:nvPr/>
-          </p:nvPicPr>
-          <p:blipFill>
-            <a:blip r:embed="rId9" cstate="print"/>
-            <a:stretch>
-              <a:fillRect/>
-            </a:stretch>
-          </p:blipFill>
-          <p:spPr>
-            <a:xfrm>
-              <a:off x="1377960" y="4450233"/>
-              <a:ext cx="1633113" cy="478275"/>
-            </a:xfrm>
-            <a:prstGeom prst="rect">
-              <a:avLst/>
-            </a:prstGeom>
-          </p:spPr>
-        </p:pic>
-        <p:pic>
-          <p:nvPicPr>
-            <p:cNvPr id="21" name="Object 20"/>
+            <p:cNvPr id="27" name="Object 26"/>
             <p:cNvPicPr>
               <a:picLocks noChangeAspect="1"/>
             </p:cNvPicPr>
@@ -3347,32 +3392,8 @@
           </p:blipFill>
           <p:spPr>
             <a:xfrm>
-              <a:off x="3447566" y="4481731"/>
-              <a:ext cx="1275453" cy="456072"/>
-            </a:xfrm>
-            <a:prstGeom prst="rect">
-              <a:avLst/>
-            </a:prstGeom>
-          </p:spPr>
-        </p:pic>
-        <p:pic>
-          <p:nvPicPr>
-            <p:cNvPr id="22" name="Object 21"/>
-            <p:cNvPicPr>
-              <a:picLocks noChangeAspect="1"/>
-            </p:cNvPicPr>
-            <p:nvPr/>
-          </p:nvPicPr>
-          <p:blipFill>
-            <a:blip r:embed="rId11" cstate="print"/>
-            <a:stretch>
-              <a:fillRect/>
-            </a:stretch>
-          </p:blipFill>
-          <p:spPr>
-            <a:xfrm>
-              <a:off x="4018375" y="4790653"/>
-              <a:ext cx="372874" cy="248388"/>
+              <a:off x="6938490" y="4669943"/>
+              <a:ext cx="610684" cy="257074"/>
             </a:xfrm>
             <a:prstGeom prst="rect">
               <a:avLst/>
@@ -3381,75 +3402,114 @@
         </p:pic>
         <p:grpSp>
           <p:nvGrpSpPr>
-            <p:cNvPr id="1007" name="그룹 1007"/>
+            <p:cNvPr id="1010" name="그룹 1010"/>
             <p:cNvGrpSpPr/>
             <p:nvPr/>
           </p:nvGrpSpPr>
           <p:grpSpPr>
             <a:xfrm>
-              <a:off x="3970280" y="4173685"/>
-              <a:ext cx="464798" cy="337494"/>
-              <a:chOff x="3970280" y="4173685"/>
-              <a:chExt cx="464798" cy="337494"/>
+              <a:off x="6588105" y="5033929"/>
+              <a:ext cx="253292" cy="118192"/>
+              <a:chOff x="6588105" y="5033929"/>
+              <a:chExt cx="253292" cy="118192"/>
             </a:xfrm>
           </p:grpSpPr>
-          <p:pic>
-            <p:nvPicPr>
-              <p:cNvPr id="24" name="Object 23"/>
-              <p:cNvPicPr>
-                <a:picLocks noChangeAspect="1"/>
-              </p:cNvPicPr>
+          <p:grpSp>
+            <p:nvGrpSpPr>
+              <p:cNvPr id="1011" name="그룹 1011"/>
+              <p:cNvGrpSpPr/>
               <p:nvPr/>
-            </p:nvPicPr>
-            <p:blipFill>
-              <a:blip r:embed="rId12" cstate="print"/>
-              <a:stretch>
-                <a:fillRect/>
-              </a:stretch>
-            </p:blipFill>
-            <p:spPr>
+            </p:nvGrpSpPr>
+            <p:grpSpPr>
               <a:xfrm>
-                <a:off x="3970280" y="4173685"/>
-                <a:ext cx="464798" cy="337494"/>
+                <a:off x="6588105" y="5036607"/>
+                <a:ext cx="216964" cy="107143"/>
+                <a:chOff x="6588105" y="5036607"/>
+                <a:chExt cx="216964" cy="107143"/>
               </a:xfrm>
-              <a:prstGeom prst="rect">
-                <a:avLst/>
-              </a:prstGeom>
-            </p:spPr>
-          </p:pic>
+            </p:grpSpPr>
+            <p:pic>
+              <p:nvPicPr>
+                <p:cNvPr id="30" name="Object 29"/>
+                <p:cNvPicPr>
+                  <a:picLocks noChangeAspect="1"/>
+                </p:cNvPicPr>
+                <p:nvPr/>
+              </p:nvPicPr>
+              <p:blipFill>
+                <a:blip r:embed="rId11" cstate="print"/>
+                <a:stretch>
+                  <a:fillRect/>
+                </a:stretch>
+              </p:blipFill>
+              <p:spPr>
+                <a:xfrm>
+                  <a:off x="6588105" y="5036607"/>
+                  <a:ext cx="216964" cy="107143"/>
+                </a:xfrm>
+                <a:prstGeom prst="rect">
+                  <a:avLst/>
+                </a:prstGeom>
+              </p:spPr>
+            </p:pic>
+          </p:grpSp>
+          <p:grpSp>
+            <p:nvGrpSpPr>
+              <p:cNvPr id="1012" name="그룹 1012"/>
+              <p:cNvGrpSpPr/>
+              <p:nvPr/>
+            </p:nvGrpSpPr>
+            <p:grpSpPr>
+              <a:xfrm>
+                <a:off x="6723205" y="5033929"/>
+                <a:ext cx="118192" cy="118192"/>
+                <a:chOff x="6723205" y="5033929"/>
+                <a:chExt cx="118192" cy="118192"/>
+              </a:xfrm>
+            </p:grpSpPr>
+            <p:pic>
+              <p:nvPicPr>
+                <p:cNvPr id="33" name="Object 32"/>
+                <p:cNvPicPr>
+                  <a:picLocks noChangeAspect="1"/>
+                </p:cNvPicPr>
+                <p:nvPr/>
+              </p:nvPicPr>
+              <p:blipFill>
+                <a:blip r:embed="rId12" cstate="print"/>
+                <a:stretch>
+                  <a:fillRect/>
+                </a:stretch>
+              </p:blipFill>
+              <p:spPr>
+                <a:xfrm>
+                  <a:off x="6723205" y="5033929"/>
+                  <a:ext cx="118192" cy="118192"/>
+                </a:xfrm>
+                <a:prstGeom prst="rect">
+                  <a:avLst/>
+                </a:prstGeom>
+              </p:spPr>
+            </p:pic>
+          </p:grpSp>
         </p:grpSp>
-      </p:grpSp>
-      <p:grpSp>
-        <p:nvGrpSpPr>
-          <p:cNvPr id="1008" name="그룹 1008"/>
-          <p:cNvGrpSpPr/>
-          <p:nvPr/>
-        </p:nvGrpSpPr>
-        <p:grpSpPr>
-          <a:xfrm>
-            <a:off x="5283012" y="3740639"/>
-            <a:ext cx="3877706" cy="1623214"/>
-            <a:chOff x="5283012" y="3740639"/>
-            <a:chExt cx="3877706" cy="1623214"/>
-          </a:xfrm>
-        </p:grpSpPr>
         <p:grpSp>
           <p:nvGrpSpPr>
-            <p:cNvPr id="1009" name="그룹 1009"/>
+            <p:cNvPr id="1013" name="그룹 1013"/>
             <p:cNvGrpSpPr/>
             <p:nvPr/>
           </p:nvGrpSpPr>
           <p:grpSpPr>
             <a:xfrm>
-              <a:off x="5283012" y="3740639"/>
-              <a:ext cx="1623214" cy="1623214"/>
-              <a:chOff x="5283012" y="3740639"/>
-              <a:chExt cx="1623214" cy="1623214"/>
+              <a:off x="131185" y="4620202"/>
+              <a:ext cx="3466582" cy="1187915"/>
+              <a:chOff x="131185" y="4620202"/>
+              <a:chExt cx="3466582" cy="1187915"/>
             </a:xfrm>
           </p:grpSpPr>
           <p:pic>
             <p:nvPicPr>
-              <p:cNvPr id="29" name="Object 28"/>
+              <p:cNvPr id="37" name="Object 36"/>
               <p:cNvPicPr>
                 <a:picLocks noChangeAspect="1"/>
               </p:cNvPicPr>
@@ -3463,8 +3523,8 @@
             </p:blipFill>
             <p:spPr>
               <a:xfrm>
-                <a:off x="5283012" y="3740639"/>
-                <a:ext cx="1623214" cy="1623214"/>
+                <a:off x="131185" y="4620202"/>
+                <a:ext cx="3466582" cy="1187915"/>
               </a:xfrm>
               <a:prstGeom prst="rect">
                 <a:avLst/>
@@ -3474,21 +3534,21 @@
         </p:grpSp>
         <p:grpSp>
           <p:nvGrpSpPr>
-            <p:cNvPr id="1010" name="그룹 1010"/>
+            <p:cNvPr id="1014" name="그룹 1014"/>
             <p:cNvGrpSpPr/>
             <p:nvPr/>
           </p:nvGrpSpPr>
           <p:grpSpPr>
             <a:xfrm>
-              <a:off x="5421402" y="3875127"/>
-              <a:ext cx="1346435" cy="1346435"/>
-              <a:chOff x="5421402" y="3875127"/>
-              <a:chExt cx="1346435" cy="1346435"/>
+              <a:off x="3607291" y="5122321"/>
+              <a:ext cx="216964" cy="107143"/>
+              <a:chOff x="3607291" y="5122321"/>
+              <a:chExt cx="216964" cy="107143"/>
             </a:xfrm>
           </p:grpSpPr>
           <p:pic>
             <p:nvPicPr>
-              <p:cNvPr id="32" name="Object 31"/>
+              <p:cNvPr id="40" name="Object 39"/>
               <p:cNvPicPr>
                 <a:picLocks noChangeAspect="1"/>
               </p:cNvPicPr>
@@ -3502,8 +3562,47 @@
             </p:blipFill>
             <p:spPr>
               <a:xfrm>
-                <a:off x="5421402" y="3875127"/>
-                <a:ext cx="1346435" cy="1346435"/>
+                <a:off x="3607291" y="5122321"/>
+                <a:ext cx="216964" cy="107143"/>
+              </a:xfrm>
+              <a:prstGeom prst="rect">
+                <a:avLst/>
+              </a:prstGeom>
+            </p:spPr>
+          </p:pic>
+        </p:grpSp>
+        <p:grpSp>
+          <p:nvGrpSpPr>
+            <p:cNvPr id="1015" name="그룹 1015"/>
+            <p:cNvGrpSpPr/>
+            <p:nvPr/>
+          </p:nvGrpSpPr>
+          <p:grpSpPr>
+            <a:xfrm>
+              <a:off x="3549534" y="5119643"/>
+              <a:ext cx="118192" cy="118192"/>
+              <a:chOff x="3549534" y="5119643"/>
+              <a:chExt cx="118192" cy="118192"/>
+            </a:xfrm>
+          </p:grpSpPr>
+          <p:pic>
+            <p:nvPicPr>
+              <p:cNvPr id="43" name="Object 42"/>
+              <p:cNvPicPr>
+                <a:picLocks noChangeAspect="1"/>
+              </p:cNvPicPr>
+              <p:nvPr/>
+            </p:nvPicPr>
+            <p:blipFill>
+              <a:blip r:embed="rId15" cstate="print"/>
+              <a:stretch>
+                <a:fillRect/>
+              </a:stretch>
+            </p:blipFill>
+            <p:spPr>
+              <a:xfrm>
+                <a:off x="3549534" y="5119643"/>
+                <a:ext cx="118192" cy="118192"/>
               </a:xfrm>
               <a:prstGeom prst="rect">
                 <a:avLst/>
@@ -3513,31 +3612,7 @@
         </p:grpSp>
         <p:pic>
           <p:nvPicPr>
-            <p:cNvPr id="34" name="Object 33"/>
-            <p:cNvPicPr>
-              <a:picLocks noChangeAspect="1"/>
-            </p:cNvPicPr>
-            <p:nvPr/>
-          </p:nvPicPr>
-          <p:blipFill>
-            <a:blip r:embed="rId15" cstate="print"/>
-            <a:stretch>
-              <a:fillRect/>
-            </a:stretch>
-          </p:blipFill>
-          <p:spPr>
-            <a:xfrm>
-              <a:off x="5266072" y="4478155"/>
-              <a:ext cx="1196901" cy="456072"/>
-            </a:xfrm>
-            <a:prstGeom prst="rect">
-              <a:avLst/>
-            </a:prstGeom>
-          </p:spPr>
-        </p:pic>
-        <p:pic>
-          <p:nvPicPr>
-            <p:cNvPr id="35" name="Object 34"/>
+            <p:cNvPr id="45" name="Object 44"/>
             <p:cNvPicPr>
               <a:picLocks noChangeAspect="1"/>
             </p:cNvPicPr>
@@ -3551,8 +3626,8 @@
           </p:blipFill>
           <p:spPr>
             <a:xfrm>
-              <a:off x="5915679" y="4799578"/>
-              <a:ext cx="372874" cy="257912"/>
+              <a:off x="243882" y="4708039"/>
+              <a:ext cx="610684" cy="257074"/>
             </a:xfrm>
             <a:prstGeom prst="rect">
               <a:avLst/>
@@ -3561,35 +3636,35 @@
         </p:pic>
         <p:grpSp>
           <p:nvGrpSpPr>
-            <p:cNvPr id="1011" name="그룹 1011"/>
+            <p:cNvPr id="1016" name="그룹 1016"/>
             <p:cNvGrpSpPr/>
             <p:nvPr/>
           </p:nvGrpSpPr>
           <p:grpSpPr>
             <a:xfrm>
-              <a:off x="7103576" y="4084527"/>
-              <a:ext cx="2057143" cy="1007359"/>
-              <a:chOff x="7103576" y="4084527"/>
-              <a:chExt cx="2057143" cy="1007359"/>
+              <a:off x="3824255" y="4482266"/>
+              <a:ext cx="1320662" cy="1320662"/>
+              <a:chOff x="3824255" y="4482266"/>
+              <a:chExt cx="1320662" cy="1320662"/>
             </a:xfrm>
           </p:grpSpPr>
           <p:grpSp>
             <p:nvGrpSpPr>
-              <p:cNvPr id="1012" name="그룹 1012"/>
+              <p:cNvPr id="1017" name="그룹 1017"/>
               <p:cNvGrpSpPr/>
               <p:nvPr/>
             </p:nvGrpSpPr>
             <p:grpSpPr>
               <a:xfrm>
-                <a:off x="7103576" y="4084527"/>
-                <a:ext cx="2057143" cy="1007359"/>
-                <a:chOff x="7103576" y="4084527"/>
-                <a:chExt cx="2057143" cy="1007359"/>
+                <a:off x="3824255" y="4482266"/>
+                <a:ext cx="1320662" cy="1320662"/>
+                <a:chOff x="3824255" y="4482266"/>
+                <a:chExt cx="1320662" cy="1320662"/>
               </a:xfrm>
             </p:grpSpPr>
             <p:pic>
               <p:nvPicPr>
-                <p:cNvPr id="38" name="Object 37"/>
+                <p:cNvPr id="48" name="Object 47"/>
                 <p:cNvPicPr>
                   <a:picLocks noChangeAspect="1"/>
                 </p:cNvPicPr>
@@ -3603,8 +3678,47 @@
               </p:blipFill>
               <p:spPr>
                 <a:xfrm>
-                  <a:off x="7103576" y="4084527"/>
-                  <a:ext cx="2057143" cy="1007359"/>
+                  <a:off x="3824255" y="4482266"/>
+                  <a:ext cx="1320662" cy="1320662"/>
+                </a:xfrm>
+                <a:prstGeom prst="rect">
+                  <a:avLst/>
+                </a:prstGeom>
+              </p:spPr>
+            </p:pic>
+          </p:grpSp>
+          <p:grpSp>
+            <p:nvGrpSpPr>
+              <p:cNvPr id="1018" name="그룹 1018"/>
+              <p:cNvGrpSpPr/>
+              <p:nvPr/>
+            </p:nvGrpSpPr>
+            <p:grpSpPr>
+              <a:xfrm>
+                <a:off x="3936850" y="4591686"/>
+                <a:ext cx="1095472" cy="1095472"/>
+                <a:chOff x="3936850" y="4591686"/>
+                <a:chExt cx="1095472" cy="1095472"/>
+              </a:xfrm>
+            </p:grpSpPr>
+            <p:pic>
+              <p:nvPicPr>
+                <p:cNvPr id="51" name="Object 50"/>
+                <p:cNvPicPr>
+                  <a:picLocks noChangeAspect="1"/>
+                </p:cNvPicPr>
+                <p:nvPr/>
+              </p:nvPicPr>
+              <p:blipFill>
+                <a:blip r:embed="rId18" cstate="print"/>
+                <a:stretch>
+                  <a:fillRect/>
+                </a:stretch>
+              </p:blipFill>
+              <p:spPr>
+                <a:xfrm>
+                  <a:off x="3936850" y="4591686"/>
+                  <a:ext cx="1095472" cy="1095472"/>
                 </a:xfrm>
                 <a:prstGeom prst="rect">
                   <a:avLst/>
@@ -3614,31 +3728,7 @@
           </p:grpSp>
           <p:pic>
             <p:nvPicPr>
-              <p:cNvPr id="40" name="Object 39"/>
-              <p:cNvPicPr>
-                <a:picLocks noChangeAspect="1"/>
-              </p:cNvPicPr>
-              <p:nvPr/>
-            </p:nvPicPr>
-            <p:blipFill>
-              <a:blip r:embed="rId18" cstate="print"/>
-              <a:stretch>
-                <a:fillRect/>
-              </a:stretch>
-            </p:blipFill>
-            <p:spPr>
-              <a:xfrm>
-                <a:off x="7338334" y="4254162"/>
-                <a:ext cx="362293" cy="257912"/>
-              </a:xfrm>
-              <a:prstGeom prst="rect">
-                <a:avLst/>
-              </a:prstGeom>
-            </p:spPr>
-          </p:pic>
-          <p:pic>
-            <p:nvPicPr>
-              <p:cNvPr id="41" name="Object 40"/>
+              <p:cNvPr id="53" name="Object 52"/>
               <p:cNvPicPr>
                 <a:picLocks noChangeAspect="1"/>
               </p:cNvPicPr>
@@ -3652,194 +3742,8 @@
             </p:blipFill>
             <p:spPr>
               <a:xfrm>
-                <a:off x="7345822" y="4477138"/>
-                <a:ext cx="1633103" cy="478275"/>
-              </a:xfrm>
-              <a:prstGeom prst="rect">
-                <a:avLst/>
-              </a:prstGeom>
-            </p:spPr>
-          </p:pic>
-        </p:grpSp>
-        <p:grpSp>
-          <p:nvGrpSpPr>
-            <p:cNvPr id="1013" name="그룹 1013"/>
-            <p:cNvGrpSpPr/>
-            <p:nvPr/>
-          </p:nvGrpSpPr>
-          <p:grpSpPr>
-            <a:xfrm>
-              <a:off x="6909212" y="4517425"/>
-              <a:ext cx="253292" cy="118192"/>
-              <a:chOff x="6909212" y="4517425"/>
-              <a:chExt cx="253292" cy="118192"/>
-            </a:xfrm>
-          </p:grpSpPr>
-          <p:grpSp>
-            <p:nvGrpSpPr>
-              <p:cNvPr id="1014" name="그룹 1014"/>
-              <p:cNvGrpSpPr/>
-              <p:nvPr/>
-            </p:nvGrpSpPr>
-            <p:grpSpPr>
-              <a:xfrm>
-                <a:off x="6909212" y="4520104"/>
-                <a:ext cx="216964" cy="107143"/>
-                <a:chOff x="6909212" y="4520104"/>
-                <a:chExt cx="216964" cy="107143"/>
-              </a:xfrm>
-            </p:grpSpPr>
-            <p:pic>
-              <p:nvPicPr>
-                <p:cNvPr id="45" name="Object 44"/>
-                <p:cNvPicPr>
-                  <a:picLocks noChangeAspect="1"/>
-                </p:cNvPicPr>
-                <p:nvPr/>
-              </p:nvPicPr>
-              <p:blipFill>
-                <a:blip r:embed="rId20" cstate="print"/>
-                <a:stretch>
-                  <a:fillRect/>
-                </a:stretch>
-              </p:blipFill>
-              <p:spPr>
-                <a:xfrm>
-                  <a:off x="6909212" y="4520104"/>
-                  <a:ext cx="216964" cy="107143"/>
-                </a:xfrm>
-                <a:prstGeom prst="rect">
-                  <a:avLst/>
-                </a:prstGeom>
-              </p:spPr>
-            </p:pic>
-          </p:grpSp>
-          <p:grpSp>
-            <p:nvGrpSpPr>
-              <p:cNvPr id="1015" name="그룹 1015"/>
-              <p:cNvGrpSpPr/>
-              <p:nvPr/>
-            </p:nvGrpSpPr>
-            <p:grpSpPr>
-              <a:xfrm>
-                <a:off x="7044312" y="4517425"/>
-                <a:ext cx="118192" cy="118192"/>
-                <a:chOff x="7044312" y="4517425"/>
-                <a:chExt cx="118192" cy="118192"/>
-              </a:xfrm>
-            </p:grpSpPr>
-            <p:pic>
-              <p:nvPicPr>
-                <p:cNvPr id="48" name="Object 47"/>
-                <p:cNvPicPr>
-                  <a:picLocks noChangeAspect="1"/>
-                </p:cNvPicPr>
-                <p:nvPr/>
-              </p:nvPicPr>
-              <p:blipFill>
-                <a:blip r:embed="rId21" cstate="print"/>
-                <a:stretch>
-                  <a:fillRect/>
-                </a:stretch>
-              </p:blipFill>
-              <p:spPr>
-                <a:xfrm>
-                  <a:off x="7044312" y="4517425"/>
-                  <a:ext cx="118192" cy="118192"/>
-                </a:xfrm>
-                <a:prstGeom prst="rect">
-                  <a:avLst/>
-                </a:prstGeom>
-              </p:spPr>
-            </p:pic>
-          </p:grpSp>
-        </p:grpSp>
-        <p:grpSp>
-          <p:nvGrpSpPr>
-            <p:cNvPr id="1016" name="그룹 1016"/>
-            <p:cNvGrpSpPr/>
-            <p:nvPr/>
-          </p:nvGrpSpPr>
-          <p:grpSpPr>
-            <a:xfrm>
-              <a:off x="5839757" y="4139041"/>
-              <a:ext cx="513271" cy="398291"/>
-              <a:chOff x="5839757" y="4139041"/>
-              <a:chExt cx="513271" cy="398291"/>
-            </a:xfrm>
-          </p:grpSpPr>
-          <p:pic>
-            <p:nvPicPr>
-              <p:cNvPr id="52" name="Object 51"/>
-              <p:cNvPicPr>
-                <a:picLocks noChangeAspect="1"/>
-              </p:cNvPicPr>
-              <p:nvPr/>
-            </p:nvPicPr>
-            <p:blipFill>
-              <a:blip r:embed="rId22" cstate="print"/>
-              <a:stretch>
-                <a:fillRect/>
-              </a:stretch>
-            </p:blipFill>
-            <p:spPr>
-              <a:xfrm>
-                <a:off x="5839757" y="4139041"/>
-                <a:ext cx="513271" cy="398291"/>
-              </a:xfrm>
-              <a:prstGeom prst="rect">
-                <a:avLst/>
-              </a:prstGeom>
-            </p:spPr>
-          </p:pic>
-        </p:grpSp>
-      </p:grpSp>
-      <p:grpSp>
-        <p:nvGrpSpPr>
-          <p:cNvPr id="1017" name="그룹 1017"/>
-          <p:cNvGrpSpPr/>
-          <p:nvPr/>
-        </p:nvGrpSpPr>
-        <p:grpSpPr>
-          <a:xfrm>
-            <a:off x="1138839" y="5540651"/>
-            <a:ext cx="3934376" cy="1623214"/>
-            <a:chOff x="1138839" y="5540651"/>
-            <a:chExt cx="3934376" cy="1623214"/>
-          </a:xfrm>
-        </p:grpSpPr>
-        <p:grpSp>
-          <p:nvGrpSpPr>
-            <p:cNvPr id="1018" name="그룹 1018"/>
-            <p:cNvGrpSpPr/>
-            <p:nvPr/>
-          </p:nvGrpSpPr>
-          <p:grpSpPr>
-            <a:xfrm>
-              <a:off x="3388839" y="5540651"/>
-              <a:ext cx="1623214" cy="1623214"/>
-              <a:chOff x="3388839" y="5540651"/>
-              <a:chExt cx="1623214" cy="1623214"/>
-            </a:xfrm>
-          </p:grpSpPr>
-          <p:pic>
-            <p:nvPicPr>
-              <p:cNvPr id="57" name="Object 56"/>
-              <p:cNvPicPr>
-                <a:picLocks noChangeAspect="1"/>
-              </p:cNvPicPr>
-              <p:nvPr/>
-            </p:nvPicPr>
-            <p:blipFill>
-              <a:blip r:embed="rId23" cstate="print"/>
-              <a:stretch>
-                <a:fillRect/>
-              </a:stretch>
-            </p:blipFill>
-            <p:spPr>
-              <a:xfrm>
-                <a:off x="3388839" y="5540651"/>
-                <a:ext cx="1623214" cy="1623214"/>
+                <a:off x="4120096" y="4935676"/>
+                <a:ext cx="721937" cy="436775"/>
               </a:xfrm>
               <a:prstGeom prst="rect">
                 <a:avLst/>
@@ -3855,906 +3759,123 @@
           </p:nvGrpSpPr>
           <p:grpSpPr>
             <a:xfrm>
-              <a:off x="3527229" y="5675138"/>
-              <a:ext cx="1346435" cy="1346435"/>
-              <a:chOff x="3527229" y="5675138"/>
-              <a:chExt cx="1346435" cy="1346435"/>
+              <a:off x="5257143" y="4453772"/>
+              <a:ext cx="1335902" cy="1335902"/>
+              <a:chOff x="5257143" y="4453772"/>
+              <a:chExt cx="1335902" cy="1335902"/>
             </a:xfrm>
           </p:grpSpPr>
+          <p:grpSp>
+            <p:nvGrpSpPr>
+              <p:cNvPr id="1020" name="그룹 1020"/>
+              <p:cNvGrpSpPr/>
+              <p:nvPr/>
+            </p:nvGrpSpPr>
+            <p:grpSpPr>
+              <a:xfrm>
+                <a:off x="5257143" y="4453772"/>
+                <a:ext cx="1335902" cy="1335902"/>
+                <a:chOff x="5257143" y="4453772"/>
+                <a:chExt cx="1335902" cy="1335902"/>
+              </a:xfrm>
+            </p:grpSpPr>
+            <p:grpSp>
+              <p:nvGrpSpPr>
+                <p:cNvPr id="1021" name="그룹 1021"/>
+                <p:cNvGrpSpPr/>
+                <p:nvPr/>
+              </p:nvGrpSpPr>
+              <p:grpSpPr>
+                <a:xfrm>
+                  <a:off x="5257143" y="4453772"/>
+                  <a:ext cx="1335902" cy="1335902"/>
+                  <a:chOff x="5257143" y="4453772"/>
+                  <a:chExt cx="1335902" cy="1335902"/>
+                </a:xfrm>
+              </p:grpSpPr>
+              <p:pic>
+                <p:nvPicPr>
+                  <p:cNvPr id="58" name="Object 57"/>
+                  <p:cNvPicPr>
+                    <a:picLocks noChangeAspect="1"/>
+                  </p:cNvPicPr>
+                  <p:nvPr/>
+                </p:nvPicPr>
+                <p:blipFill>
+                  <a:blip r:embed="rId20" cstate="print"/>
+                  <a:stretch>
+                    <a:fillRect/>
+                  </a:stretch>
+                </p:blipFill>
+                <p:spPr>
+                  <a:xfrm>
+                    <a:off x="5257143" y="4453772"/>
+                    <a:ext cx="1335902" cy="1335902"/>
+                  </a:xfrm>
+                  <a:prstGeom prst="rect">
+                    <a:avLst/>
+                  </a:prstGeom>
+                </p:spPr>
+              </p:pic>
+            </p:grpSp>
+            <p:grpSp>
+              <p:nvGrpSpPr>
+                <p:cNvPr id="1022" name="그룹 1022"/>
+                <p:cNvGrpSpPr/>
+                <p:nvPr/>
+              </p:nvGrpSpPr>
+              <p:grpSpPr>
+                <a:xfrm>
+                  <a:off x="5371037" y="4564456"/>
+                  <a:ext cx="1108114" cy="1108114"/>
+                  <a:chOff x="5371037" y="4564456"/>
+                  <a:chExt cx="1108114" cy="1108114"/>
+                </a:xfrm>
+              </p:grpSpPr>
+              <p:pic>
+                <p:nvPicPr>
+                  <p:cNvPr id="61" name="Object 60"/>
+                  <p:cNvPicPr>
+                    <a:picLocks noChangeAspect="1"/>
+                  </p:cNvPicPr>
+                  <p:nvPr/>
+                </p:nvPicPr>
+                <p:blipFill>
+                  <a:blip r:embed="rId21" cstate="print"/>
+                  <a:stretch>
+                    <a:fillRect/>
+                  </a:stretch>
+                </p:blipFill>
+                <p:spPr>
+                  <a:xfrm>
+                    <a:off x="5371037" y="4564456"/>
+                    <a:ext cx="1108114" cy="1108114"/>
+                  </a:xfrm>
+                  <a:prstGeom prst="rect">
+                    <a:avLst/>
+                  </a:prstGeom>
+                </p:spPr>
+              </p:pic>
+            </p:grpSp>
+          </p:grpSp>
           <p:pic>
             <p:nvPicPr>
-              <p:cNvPr id="60" name="Object 59"/>
+              <p:cNvPr id="64" name="Object 63"/>
               <p:cNvPicPr>
                 <a:picLocks noChangeAspect="1"/>
               </p:cNvPicPr>
               <p:nvPr/>
             </p:nvPicPr>
             <p:blipFill>
-              <a:blip r:embed="rId24" cstate="print"/>
+              <a:blip r:embed="rId22" cstate="print"/>
               <a:stretch>
                 <a:fillRect/>
               </a:stretch>
             </p:blipFill>
             <p:spPr>
               <a:xfrm>
-                <a:off x="3527229" y="5675138"/>
-                <a:ext cx="1346435" cy="1346435"/>
-              </a:xfrm>
-              <a:prstGeom prst="rect">
-                <a:avLst/>
-              </a:prstGeom>
-            </p:spPr>
-          </p:pic>
-        </p:grpSp>
-        <p:grpSp>
-          <p:nvGrpSpPr>
-            <p:cNvPr id="1020" name="그룹 1020"/>
-            <p:cNvGrpSpPr/>
-            <p:nvPr/>
-          </p:nvGrpSpPr>
-          <p:grpSpPr>
-            <a:xfrm>
-              <a:off x="1138839" y="5866558"/>
-              <a:ext cx="2057143" cy="1007359"/>
-              <a:chOff x="1138839" y="5866558"/>
-              <a:chExt cx="2057143" cy="1007359"/>
-            </a:xfrm>
-          </p:grpSpPr>
-          <p:pic>
-            <p:nvPicPr>
-              <p:cNvPr id="63" name="Object 62"/>
-              <p:cNvPicPr>
-                <a:picLocks noChangeAspect="1"/>
-              </p:cNvPicPr>
-              <p:nvPr/>
-            </p:nvPicPr>
-            <p:blipFill>
-              <a:blip r:embed="rId25" cstate="print"/>
-              <a:stretch>
-                <a:fillRect/>
-              </a:stretch>
-            </p:blipFill>
-            <p:spPr>
-              <a:xfrm>
-                <a:off x="1138839" y="5866558"/>
-                <a:ext cx="2057143" cy="1007359"/>
-              </a:xfrm>
-              <a:prstGeom prst="rect">
-                <a:avLst/>
-              </a:prstGeom>
-            </p:spPr>
-          </p:pic>
-        </p:grpSp>
-        <p:grpSp>
-          <p:nvGrpSpPr>
-            <p:cNvPr id="1021" name="그룹 1021"/>
-            <p:cNvGrpSpPr/>
-            <p:nvPr/>
-          </p:nvGrpSpPr>
-          <p:grpSpPr>
-            <a:xfrm>
-              <a:off x="3185268" y="6320115"/>
-              <a:ext cx="216964" cy="107143"/>
-              <a:chOff x="3185268" y="6320115"/>
-              <a:chExt cx="216964" cy="107143"/>
-            </a:xfrm>
-          </p:grpSpPr>
-          <p:pic>
-            <p:nvPicPr>
-              <p:cNvPr id="66" name="Object 65"/>
-              <p:cNvPicPr>
-                <a:picLocks noChangeAspect="1"/>
-              </p:cNvPicPr>
-              <p:nvPr/>
-            </p:nvPicPr>
-            <p:blipFill>
-              <a:blip r:embed="rId26" cstate="print"/>
-              <a:stretch>
-                <a:fillRect/>
-              </a:stretch>
-            </p:blipFill>
-            <p:spPr>
-              <a:xfrm>
-                <a:off x="3185268" y="6320115"/>
-                <a:ext cx="216964" cy="107143"/>
-              </a:xfrm>
-              <a:prstGeom prst="rect">
-                <a:avLst/>
-              </a:prstGeom>
-            </p:spPr>
-          </p:pic>
-        </p:grpSp>
-        <p:grpSp>
-          <p:nvGrpSpPr>
-            <p:cNvPr id="1022" name="그룹 1022"/>
-            <p:cNvGrpSpPr/>
-            <p:nvPr/>
-          </p:nvGrpSpPr>
-          <p:grpSpPr>
-            <a:xfrm>
-              <a:off x="3127511" y="6317436"/>
-              <a:ext cx="118192" cy="118192"/>
-              <a:chOff x="3127511" y="6317436"/>
-              <a:chExt cx="118192" cy="118192"/>
-            </a:xfrm>
-          </p:grpSpPr>
-          <p:pic>
-            <p:nvPicPr>
-              <p:cNvPr id="69" name="Object 68"/>
-              <p:cNvPicPr>
-                <a:picLocks noChangeAspect="1"/>
-              </p:cNvPicPr>
-              <p:nvPr/>
-            </p:nvPicPr>
-            <p:blipFill>
-              <a:blip r:embed="rId27" cstate="print"/>
-              <a:stretch>
-                <a:fillRect/>
-              </a:stretch>
-            </p:blipFill>
-            <p:spPr>
-              <a:xfrm>
-                <a:off x="3127511" y="6317436"/>
-                <a:ext cx="118192" cy="118192"/>
-              </a:xfrm>
-              <a:prstGeom prst="rect">
-                <a:avLst/>
-              </a:prstGeom>
-            </p:spPr>
-          </p:pic>
-        </p:grpSp>
-        <p:pic>
-          <p:nvPicPr>
-            <p:cNvPr id="71" name="Object 70"/>
-            <p:cNvPicPr>
-              <a:picLocks noChangeAspect="1"/>
-            </p:cNvPicPr>
-            <p:nvPr/>
-          </p:nvPicPr>
-          <p:blipFill>
-            <a:blip r:embed="rId28" cstate="print"/>
-            <a:stretch>
-              <a:fillRect/>
-            </a:stretch>
-          </p:blipFill>
-          <p:spPr>
-            <a:xfrm>
-              <a:off x="1383108" y="6036189"/>
-              <a:ext cx="334312" cy="283922"/>
-            </a:xfrm>
-            <a:prstGeom prst="rect">
-              <a:avLst/>
-            </a:prstGeom>
-          </p:spPr>
-        </p:pic>
-        <p:pic>
-          <p:nvPicPr>
-            <p:cNvPr id="72" name="Object 71"/>
-            <p:cNvPicPr>
-              <a:picLocks noChangeAspect="1"/>
-            </p:cNvPicPr>
-            <p:nvPr/>
-          </p:nvPicPr>
-          <p:blipFill>
-            <a:blip r:embed="rId29" cstate="print"/>
-            <a:stretch>
-              <a:fillRect/>
-            </a:stretch>
-          </p:blipFill>
-          <p:spPr>
-            <a:xfrm>
-              <a:off x="1381085" y="6259169"/>
-              <a:ext cx="1633113" cy="478275"/>
-            </a:xfrm>
-            <a:prstGeom prst="rect">
-              <a:avLst/>
-            </a:prstGeom>
-          </p:spPr>
-        </p:pic>
-        <p:pic>
-          <p:nvPicPr>
-            <p:cNvPr id="73" name="Object 72"/>
-            <p:cNvPicPr>
-              <a:picLocks noChangeAspect="1"/>
-            </p:cNvPicPr>
-            <p:nvPr/>
-          </p:nvPicPr>
-          <p:blipFill>
-            <a:blip r:embed="rId30" cstate="print"/>
-            <a:stretch>
-              <a:fillRect/>
-            </a:stretch>
-          </p:blipFill>
-          <p:spPr>
-            <a:xfrm>
-              <a:off x="3450692" y="6278171"/>
-              <a:ext cx="1418558" cy="456072"/>
-            </a:xfrm>
-            <a:prstGeom prst="rect">
-              <a:avLst/>
-            </a:prstGeom>
-          </p:spPr>
-        </p:pic>
-        <p:pic>
-          <p:nvPicPr>
-            <p:cNvPr id="74" name="Object 73"/>
-            <p:cNvPicPr>
-              <a:picLocks noChangeAspect="1"/>
-            </p:cNvPicPr>
-            <p:nvPr/>
-          </p:nvPicPr>
-          <p:blipFill>
-            <a:blip r:embed="rId31" cstate="print"/>
-            <a:stretch>
-              <a:fillRect/>
-            </a:stretch>
-          </p:blipFill>
-          <p:spPr>
-            <a:xfrm>
-              <a:off x="4021501" y="6587036"/>
-              <a:ext cx="363941" cy="312550"/>
-            </a:xfrm>
-            <a:prstGeom prst="rect">
-              <a:avLst/>
-            </a:prstGeom>
-          </p:spPr>
-        </p:pic>
-        <p:grpSp>
-          <p:nvGrpSpPr>
-            <p:cNvPr id="1023" name="그룹 1023"/>
-            <p:cNvGrpSpPr/>
-            <p:nvPr/>
-          </p:nvGrpSpPr>
-          <p:grpSpPr>
-            <a:xfrm>
-              <a:off x="3991006" y="5849033"/>
-              <a:ext cx="350705" cy="517965"/>
-              <a:chOff x="3991006" y="5849033"/>
-              <a:chExt cx="350705" cy="517965"/>
-            </a:xfrm>
-          </p:grpSpPr>
-          <p:pic>
-            <p:nvPicPr>
-              <p:cNvPr id="76" name="Object 75"/>
-              <p:cNvPicPr>
-                <a:picLocks noChangeAspect="1"/>
-              </p:cNvPicPr>
-              <p:nvPr/>
-            </p:nvPicPr>
-            <p:blipFill>
-              <a:blip r:embed="rId32" cstate="print"/>
-              <a:stretch>
-                <a:fillRect/>
-              </a:stretch>
-            </p:blipFill>
-            <p:spPr>
-              <a:xfrm>
-                <a:off x="3991006" y="5849033"/>
-                <a:ext cx="350705" cy="517965"/>
-              </a:xfrm>
-              <a:prstGeom prst="rect">
-                <a:avLst/>
-              </a:prstGeom>
-            </p:spPr>
-          </p:pic>
-        </p:grpSp>
-      </p:grpSp>
-      <p:grpSp>
-        <p:nvGrpSpPr>
-          <p:cNvPr id="1024" name="그룹 1024"/>
-          <p:cNvGrpSpPr/>
-          <p:nvPr/>
-        </p:nvGrpSpPr>
-        <p:grpSpPr>
-          <a:xfrm>
-            <a:off x="5319616" y="5478360"/>
-            <a:ext cx="3856278" cy="1623214"/>
-            <a:chOff x="5319616" y="5478360"/>
-            <a:chExt cx="3856278" cy="1623214"/>
-          </a:xfrm>
-        </p:grpSpPr>
-        <p:grpSp>
-          <p:nvGrpSpPr>
-            <p:cNvPr id="1025" name="그룹 1025"/>
-            <p:cNvGrpSpPr/>
-            <p:nvPr/>
-          </p:nvGrpSpPr>
-          <p:grpSpPr>
-            <a:xfrm>
-              <a:off x="5319616" y="5478360"/>
-              <a:ext cx="1623214" cy="1623214"/>
-              <a:chOff x="5319616" y="5478360"/>
-              <a:chExt cx="1623214" cy="1623214"/>
-            </a:xfrm>
-          </p:grpSpPr>
-          <p:pic>
-            <p:nvPicPr>
-              <p:cNvPr id="81" name="Object 80"/>
-              <p:cNvPicPr>
-                <a:picLocks noChangeAspect="1"/>
-              </p:cNvPicPr>
-              <p:nvPr/>
-            </p:nvPicPr>
-            <p:blipFill>
-              <a:blip r:embed="rId33" cstate="print"/>
-              <a:stretch>
-                <a:fillRect/>
-              </a:stretch>
-            </p:blipFill>
-            <p:spPr>
-              <a:xfrm>
-                <a:off x="5319616" y="5478360"/>
-                <a:ext cx="1623214" cy="1623214"/>
-              </a:xfrm>
-              <a:prstGeom prst="rect">
-                <a:avLst/>
-              </a:prstGeom>
-            </p:spPr>
-          </p:pic>
-        </p:grpSp>
-        <p:grpSp>
-          <p:nvGrpSpPr>
-            <p:cNvPr id="1026" name="그룹 1026"/>
-            <p:cNvGrpSpPr/>
-            <p:nvPr/>
-          </p:nvGrpSpPr>
-          <p:grpSpPr>
-            <a:xfrm>
-              <a:off x="5458005" y="5612847"/>
-              <a:ext cx="1346435" cy="1346435"/>
-              <a:chOff x="5458005" y="5612847"/>
-              <a:chExt cx="1346435" cy="1346435"/>
-            </a:xfrm>
-          </p:grpSpPr>
-          <p:pic>
-            <p:nvPicPr>
-              <p:cNvPr id="84" name="Object 83"/>
-              <p:cNvPicPr>
-                <a:picLocks noChangeAspect="1"/>
-              </p:cNvPicPr>
-              <p:nvPr/>
-            </p:nvPicPr>
-            <p:blipFill>
-              <a:blip r:embed="rId34" cstate="print"/>
-              <a:stretch>
-                <a:fillRect/>
-              </a:stretch>
-            </p:blipFill>
-            <p:spPr>
-              <a:xfrm>
-                <a:off x="5458005" y="5612847"/>
-                <a:ext cx="1346435" cy="1346435"/>
-              </a:xfrm>
-              <a:prstGeom prst="rect">
-                <a:avLst/>
-              </a:prstGeom>
-            </p:spPr>
-          </p:pic>
-        </p:grpSp>
-        <p:pic>
-          <p:nvPicPr>
-            <p:cNvPr id="86" name="Object 85"/>
-            <p:cNvPicPr>
-              <a:picLocks noChangeAspect="1"/>
-            </p:cNvPicPr>
-            <p:nvPr/>
-          </p:nvPicPr>
-          <p:blipFill>
-            <a:blip r:embed="rId35" cstate="print"/>
-            <a:stretch>
-              <a:fillRect/>
-            </a:stretch>
-          </p:blipFill>
-          <p:spPr>
-            <a:xfrm>
-              <a:off x="5301212" y="6215878"/>
-              <a:ext cx="1206825" cy="456072"/>
-            </a:xfrm>
-            <a:prstGeom prst="rect">
-              <a:avLst/>
-            </a:prstGeom>
-          </p:spPr>
-        </p:pic>
-        <p:pic>
-          <p:nvPicPr>
-            <p:cNvPr id="87" name="Object 86"/>
-            <p:cNvPicPr>
-              <a:picLocks noChangeAspect="1"/>
-            </p:cNvPicPr>
-            <p:nvPr/>
-          </p:nvPicPr>
-          <p:blipFill>
-            <a:blip r:embed="rId36" cstate="print"/>
-            <a:stretch>
-              <a:fillRect/>
-            </a:stretch>
-          </p:blipFill>
-          <p:spPr>
-            <a:xfrm>
-              <a:off x="5952268" y="6537301"/>
-              <a:ext cx="372874" cy="257912"/>
-            </a:xfrm>
-            <a:prstGeom prst="rect">
-              <a:avLst/>
-            </a:prstGeom>
-          </p:spPr>
-        </p:pic>
-        <p:grpSp>
-          <p:nvGrpSpPr>
-            <p:cNvPr id="1027" name="그룹 1027"/>
-            <p:cNvGrpSpPr/>
-            <p:nvPr/>
-          </p:nvGrpSpPr>
-          <p:grpSpPr>
-            <a:xfrm>
-              <a:off x="7118751" y="5822248"/>
-              <a:ext cx="2057143" cy="1007359"/>
-              <a:chOff x="7118751" y="5822248"/>
-              <a:chExt cx="2057143" cy="1007359"/>
-            </a:xfrm>
-          </p:grpSpPr>
-          <p:grpSp>
-            <p:nvGrpSpPr>
-              <p:cNvPr id="1028" name="그룹 1028"/>
-              <p:cNvGrpSpPr/>
-              <p:nvPr/>
-            </p:nvGrpSpPr>
-            <p:grpSpPr>
-              <a:xfrm>
-                <a:off x="7118751" y="5822248"/>
-                <a:ext cx="2057143" cy="1007359"/>
-                <a:chOff x="7118751" y="5822248"/>
-                <a:chExt cx="2057143" cy="1007359"/>
-              </a:xfrm>
-            </p:grpSpPr>
-            <p:pic>
-              <p:nvPicPr>
-                <p:cNvPr id="90" name="Object 89"/>
-                <p:cNvPicPr>
-                  <a:picLocks noChangeAspect="1"/>
-                </p:cNvPicPr>
-                <p:nvPr/>
-              </p:nvPicPr>
-              <p:blipFill>
-                <a:blip r:embed="rId37" cstate="print"/>
-                <a:stretch>
-                  <a:fillRect/>
-                </a:stretch>
-              </p:blipFill>
-              <p:spPr>
-                <a:xfrm>
-                  <a:off x="7118751" y="5822248"/>
-                  <a:ext cx="2057143" cy="1007359"/>
-                </a:xfrm>
-                <a:prstGeom prst="rect">
-                  <a:avLst/>
-                </a:prstGeom>
-              </p:spPr>
-            </p:pic>
-          </p:grpSp>
-          <p:pic>
-            <p:nvPicPr>
-              <p:cNvPr id="92" name="Object 91"/>
-              <p:cNvPicPr>
-                <a:picLocks noChangeAspect="1"/>
-              </p:cNvPicPr>
-              <p:nvPr/>
-            </p:nvPicPr>
-            <p:blipFill>
-              <a:blip r:embed="rId38" cstate="print"/>
-              <a:stretch>
-                <a:fillRect/>
-              </a:stretch>
-            </p:blipFill>
-            <p:spPr>
-              <a:xfrm>
-                <a:off x="7353495" y="5991880"/>
-                <a:ext cx="362293" cy="257912"/>
-              </a:xfrm>
-              <a:prstGeom prst="rect">
-                <a:avLst/>
-              </a:prstGeom>
-            </p:spPr>
-          </p:pic>
-          <p:pic>
-            <p:nvPicPr>
-              <p:cNvPr id="93" name="Object 92"/>
-              <p:cNvPicPr>
-                <a:picLocks noChangeAspect="1"/>
-              </p:cNvPicPr>
-              <p:nvPr/>
-            </p:nvPicPr>
-            <p:blipFill>
-              <a:blip r:embed="rId39" cstate="print"/>
-              <a:stretch>
-                <a:fillRect/>
-              </a:stretch>
-            </p:blipFill>
-            <p:spPr>
-              <a:xfrm>
-                <a:off x="7360997" y="6214858"/>
-                <a:ext cx="1633113" cy="478275"/>
-              </a:xfrm>
-              <a:prstGeom prst="rect">
-                <a:avLst/>
-              </a:prstGeom>
-            </p:spPr>
-          </p:pic>
-        </p:grpSp>
-        <p:grpSp>
-          <p:nvGrpSpPr>
-            <p:cNvPr id="1029" name="그룹 1029"/>
-            <p:cNvGrpSpPr/>
-            <p:nvPr/>
-          </p:nvGrpSpPr>
-          <p:grpSpPr>
-            <a:xfrm>
-              <a:off x="6924387" y="6255146"/>
-              <a:ext cx="253292" cy="118192"/>
-              <a:chOff x="6924387" y="6255146"/>
-              <a:chExt cx="253292" cy="118192"/>
-            </a:xfrm>
-          </p:grpSpPr>
-          <p:grpSp>
-            <p:nvGrpSpPr>
-              <p:cNvPr id="1030" name="그룹 1030"/>
-              <p:cNvGrpSpPr/>
-              <p:nvPr/>
-            </p:nvGrpSpPr>
-            <p:grpSpPr>
-              <a:xfrm>
-                <a:off x="6924387" y="6257824"/>
-                <a:ext cx="216964" cy="107143"/>
-                <a:chOff x="6924387" y="6257824"/>
-                <a:chExt cx="216964" cy="107143"/>
-              </a:xfrm>
-            </p:grpSpPr>
-            <p:pic>
-              <p:nvPicPr>
-                <p:cNvPr id="97" name="Object 96"/>
-                <p:cNvPicPr>
-                  <a:picLocks noChangeAspect="1"/>
-                </p:cNvPicPr>
-                <p:nvPr/>
-              </p:nvPicPr>
-              <p:blipFill>
-                <a:blip r:embed="rId40" cstate="print"/>
-                <a:stretch>
-                  <a:fillRect/>
-                </a:stretch>
-              </p:blipFill>
-              <p:spPr>
-                <a:xfrm>
-                  <a:off x="6924387" y="6257824"/>
-                  <a:ext cx="216964" cy="107143"/>
-                </a:xfrm>
-                <a:prstGeom prst="rect">
-                  <a:avLst/>
-                </a:prstGeom>
-              </p:spPr>
-            </p:pic>
-          </p:grpSp>
-          <p:grpSp>
-            <p:nvGrpSpPr>
-              <p:cNvPr id="1031" name="그룹 1031"/>
-              <p:cNvGrpSpPr/>
-              <p:nvPr/>
-            </p:nvGrpSpPr>
-            <p:grpSpPr>
-              <a:xfrm>
-                <a:off x="7059487" y="6255146"/>
-                <a:ext cx="118192" cy="118192"/>
-                <a:chOff x="7059487" y="6255146"/>
-                <a:chExt cx="118192" cy="118192"/>
-              </a:xfrm>
-            </p:grpSpPr>
-            <p:pic>
-              <p:nvPicPr>
-                <p:cNvPr id="100" name="Object 99"/>
-                <p:cNvPicPr>
-                  <a:picLocks noChangeAspect="1"/>
-                </p:cNvPicPr>
-                <p:nvPr/>
-              </p:nvPicPr>
-              <p:blipFill>
-                <a:blip r:embed="rId41" cstate="print"/>
-                <a:stretch>
-                  <a:fillRect/>
-                </a:stretch>
-              </p:blipFill>
-              <p:spPr>
-                <a:xfrm>
-                  <a:off x="7059487" y="6255146"/>
-                  <a:ext cx="118192" cy="118192"/>
-                </a:xfrm>
-                <a:prstGeom prst="rect">
-                  <a:avLst/>
-                </a:prstGeom>
-              </p:spPr>
-            </p:pic>
-          </p:grpSp>
-        </p:grpSp>
-        <p:grpSp>
-          <p:nvGrpSpPr>
-            <p:cNvPr id="1032" name="그룹 1032"/>
-            <p:cNvGrpSpPr/>
-            <p:nvPr/>
-          </p:nvGrpSpPr>
-          <p:grpSpPr>
-            <a:xfrm>
-              <a:off x="5854898" y="5899972"/>
-              <a:ext cx="552650" cy="389995"/>
-              <a:chOff x="5854898" y="5899972"/>
-              <a:chExt cx="552650" cy="389995"/>
-            </a:xfrm>
-          </p:grpSpPr>
-          <p:pic>
-            <p:nvPicPr>
-              <p:cNvPr id="104" name="Object 103"/>
-              <p:cNvPicPr>
-                <a:picLocks noChangeAspect="1"/>
-              </p:cNvPicPr>
-              <p:nvPr/>
-            </p:nvPicPr>
-            <p:blipFill>
-              <a:blip r:embed="rId42" cstate="print"/>
-              <a:stretch>
-                <a:fillRect/>
-              </a:stretch>
-            </p:blipFill>
-            <p:spPr>
-              <a:xfrm>
-                <a:off x="5854898" y="5899972"/>
-                <a:ext cx="552650" cy="389995"/>
-              </a:xfrm>
-              <a:prstGeom prst="rect">
-                <a:avLst/>
-              </a:prstGeom>
-            </p:spPr>
-          </p:pic>
-        </p:grpSp>
-      </p:grpSp>
-      <p:grpSp>
-        <p:nvGrpSpPr>
-          <p:cNvPr id="1033" name="그룹 1033"/>
-          <p:cNvGrpSpPr/>
-          <p:nvPr/>
-        </p:nvGrpSpPr>
-        <p:grpSpPr>
-          <a:xfrm>
-            <a:off x="4720985" y="5043552"/>
-            <a:ext cx="839007" cy="805329"/>
-            <a:chOff x="4720985" y="5043552"/>
-            <a:chExt cx="839007" cy="805329"/>
-          </a:xfrm>
-        </p:grpSpPr>
-        <p:grpSp>
-          <p:nvGrpSpPr>
-            <p:cNvPr id="1034" name="그룹 1034"/>
-            <p:cNvGrpSpPr/>
-            <p:nvPr/>
-          </p:nvGrpSpPr>
-          <p:grpSpPr>
-            <a:xfrm>
-              <a:off x="4720985" y="5043552"/>
-              <a:ext cx="839007" cy="805329"/>
-              <a:chOff x="4720985" y="5043552"/>
-              <a:chExt cx="839007" cy="805329"/>
-            </a:xfrm>
-          </p:grpSpPr>
-          <p:grpSp>
-            <p:nvGrpSpPr>
-              <p:cNvPr id="1035" name="그룹 1035"/>
-              <p:cNvGrpSpPr/>
-              <p:nvPr/>
-            </p:nvGrpSpPr>
-            <p:grpSpPr>
-              <a:xfrm>
-                <a:off x="4763843" y="5076365"/>
-                <a:ext cx="743750" cy="743750"/>
-                <a:chOff x="4763843" y="5076365"/>
-                <a:chExt cx="743750" cy="743750"/>
-              </a:xfrm>
-            </p:grpSpPr>
-            <p:pic>
-              <p:nvPicPr>
-                <p:cNvPr id="110" name="Object 109"/>
-                <p:cNvPicPr>
-                  <a:picLocks noChangeAspect="1"/>
-                </p:cNvPicPr>
-                <p:nvPr/>
-              </p:nvPicPr>
-              <p:blipFill>
-                <a:blip r:embed="rId43" cstate="print"/>
-                <a:stretch>
-                  <a:fillRect/>
-                </a:stretch>
-              </p:blipFill>
-              <p:spPr>
-                <a:xfrm>
-                  <a:off x="4763843" y="5076365"/>
-                  <a:ext cx="743750" cy="743750"/>
-                </a:xfrm>
-                <a:prstGeom prst="rect">
-                  <a:avLst/>
-                </a:prstGeom>
-              </p:spPr>
-            </p:pic>
-          </p:grpSp>
-          <p:grpSp>
-            <p:nvGrpSpPr>
-              <p:cNvPr id="1036" name="그룹 1036"/>
-              <p:cNvGrpSpPr/>
-              <p:nvPr/>
-            </p:nvGrpSpPr>
-            <p:grpSpPr>
-              <a:xfrm>
-                <a:off x="4720985" y="5043552"/>
-                <a:ext cx="99442" cy="99442"/>
-                <a:chOff x="4720985" y="5043552"/>
-                <a:chExt cx="99442" cy="99442"/>
-              </a:xfrm>
-            </p:grpSpPr>
-            <p:pic>
-              <p:nvPicPr>
-                <p:cNvPr id="113" name="Object 112"/>
-                <p:cNvPicPr>
-                  <a:picLocks noChangeAspect="1"/>
-                </p:cNvPicPr>
-                <p:nvPr/>
-              </p:nvPicPr>
-              <p:blipFill>
-                <a:blip r:embed="rId44" cstate="print"/>
-                <a:stretch>
-                  <a:fillRect/>
-                </a:stretch>
-              </p:blipFill>
-              <p:spPr>
-                <a:xfrm>
-                  <a:off x="4720985" y="5043552"/>
-                  <a:ext cx="99442" cy="99442"/>
-                </a:xfrm>
-                <a:prstGeom prst="rect">
-                  <a:avLst/>
-                </a:prstGeom>
-              </p:spPr>
-            </p:pic>
-          </p:grpSp>
-          <p:grpSp>
-            <p:nvGrpSpPr>
-              <p:cNvPr id="1037" name="그룹 1037"/>
-              <p:cNvGrpSpPr/>
-              <p:nvPr/>
-            </p:nvGrpSpPr>
-            <p:grpSpPr>
-              <a:xfrm>
-                <a:off x="5455193" y="5047598"/>
-                <a:ext cx="99442" cy="99442"/>
-                <a:chOff x="5455193" y="5047598"/>
-                <a:chExt cx="99442" cy="99442"/>
-              </a:xfrm>
-            </p:grpSpPr>
-            <p:pic>
-              <p:nvPicPr>
-                <p:cNvPr id="116" name="Object 115"/>
-                <p:cNvPicPr>
-                  <a:picLocks noChangeAspect="1"/>
-                </p:cNvPicPr>
-                <p:nvPr/>
-              </p:nvPicPr>
-              <p:blipFill>
-                <a:blip r:embed="rId45" cstate="print"/>
-                <a:stretch>
-                  <a:fillRect/>
-                </a:stretch>
-              </p:blipFill>
-              <p:spPr>
-                <a:xfrm>
-                  <a:off x="5455193" y="5047598"/>
-                  <a:ext cx="99442" cy="99442"/>
-                </a:xfrm>
-                <a:prstGeom prst="rect">
-                  <a:avLst/>
-                </a:prstGeom>
-              </p:spPr>
-            </p:pic>
-          </p:grpSp>
-          <p:grpSp>
-            <p:nvGrpSpPr>
-              <p:cNvPr id="1038" name="그룹 1038"/>
-              <p:cNvGrpSpPr/>
-              <p:nvPr/>
-            </p:nvGrpSpPr>
-            <p:grpSpPr>
-              <a:xfrm>
-                <a:off x="5460550" y="5749440"/>
-                <a:ext cx="99442" cy="99442"/>
-                <a:chOff x="5460550" y="5749440"/>
-                <a:chExt cx="99442" cy="99442"/>
-              </a:xfrm>
-            </p:grpSpPr>
-            <p:pic>
-              <p:nvPicPr>
-                <p:cNvPr id="119" name="Object 118"/>
-                <p:cNvPicPr>
-                  <a:picLocks noChangeAspect="1"/>
-                </p:cNvPicPr>
-                <p:nvPr/>
-              </p:nvPicPr>
-              <p:blipFill>
-                <a:blip r:embed="rId46" cstate="print"/>
-                <a:stretch>
-                  <a:fillRect/>
-                </a:stretch>
-              </p:blipFill>
-              <p:spPr>
-                <a:xfrm>
-                  <a:off x="5460550" y="5749440"/>
-                  <a:ext cx="99442" cy="99442"/>
-                </a:xfrm>
-                <a:prstGeom prst="rect">
-                  <a:avLst/>
-                </a:prstGeom>
-              </p:spPr>
-            </p:pic>
-          </p:grpSp>
-          <p:pic>
-            <p:nvPicPr>
-              <p:cNvPr id="121" name="Object 120"/>
-              <p:cNvPicPr>
-                <a:picLocks noChangeAspect="1"/>
-              </p:cNvPicPr>
-              <p:nvPr/>
-            </p:nvPicPr>
-            <p:blipFill>
-              <a:blip r:embed="rId47" cstate="print"/>
-              <a:stretch>
-                <a:fillRect/>
-              </a:stretch>
-            </p:blipFill>
-            <p:spPr>
-              <a:xfrm>
-                <a:off x="4767315" y="5113865"/>
-                <a:ext cx="788032" cy="790289"/>
-              </a:xfrm>
-              <a:prstGeom prst="rect">
-                <a:avLst/>
-              </a:prstGeom>
-            </p:spPr>
-          </p:pic>
-        </p:grpSp>
-        <p:grpSp>
-          <p:nvGrpSpPr>
-            <p:cNvPr id="1039" name="그룹 1039"/>
-            <p:cNvGrpSpPr/>
-            <p:nvPr/>
-          </p:nvGrpSpPr>
-          <p:grpSpPr>
-            <a:xfrm>
-              <a:off x="4720985" y="5745688"/>
-              <a:ext cx="99442" cy="99442"/>
-              <a:chOff x="4720985" y="5745688"/>
-              <a:chExt cx="99442" cy="99442"/>
-            </a:xfrm>
-          </p:grpSpPr>
-          <p:pic>
-            <p:nvPicPr>
-              <p:cNvPr id="124" name="Object 123"/>
-              <p:cNvPicPr>
-                <a:picLocks noChangeAspect="1"/>
-              </p:cNvPicPr>
-              <p:nvPr/>
-            </p:nvPicPr>
-            <p:blipFill>
-              <a:blip r:embed="rId48" cstate="print"/>
-              <a:stretch>
-                <a:fillRect/>
-              </a:stretch>
-            </p:blipFill>
-            <p:spPr>
-              <a:xfrm>
-                <a:off x="4720985" y="5745688"/>
-                <a:ext cx="99442" cy="99442"/>
+                <a:off x="5538460" y="4944061"/>
+                <a:ext cx="729292" cy="379168"/>
               </a:xfrm>
               <a:prstGeom prst="rect">
                 <a:avLst/>
